--- a/doc/Final Report/system_diagram.pptx
+++ b/doc/Final Report/system_diagram.pptx
@@ -3045,7 +3045,7 @@
         <p:spPr>
           <a:xfrm>
             <a:off x="685800" y="152400"/>
-            <a:ext cx="6858000" cy="6705600"/>
+            <a:ext cx="6858000" cy="6553200"/>
           </a:xfrm>
           <a:prstGeom prst="flowChartProcess">
             <a:avLst/>
@@ -3085,7 +3085,9 @@
           <a:lstStyle/>
           <a:p>
             <a:pPr algn="ctr"/>
-            <a:endParaRPr lang="en-US" b="1"/>
+            <a:endParaRPr lang="en-US">
+              <a:latin typeface="Georgia" pitchFamily="18" charset="0"/>
+            </a:endParaRPr>
           </a:p>
         </p:txBody>
       </p:sp>
@@ -3098,7 +3100,7 @@
         <p:spPr>
           <a:xfrm>
             <a:off x="838200" y="1143000"/>
-            <a:ext cx="6553200" cy="5562600"/>
+            <a:ext cx="6553200" cy="5486400"/>
           </a:xfrm>
           <a:prstGeom prst="flowChartProcess">
             <a:avLst/>
@@ -3138,7 +3140,9 @@
           <a:lstStyle/>
           <a:p>
             <a:pPr algn="ctr"/>
-            <a:endParaRPr lang="en-US" b="1"/>
+            <a:endParaRPr lang="en-US">
+              <a:latin typeface="Georgia" pitchFamily="18" charset="0"/>
+            </a:endParaRPr>
           </a:p>
         </p:txBody>
       </p:sp>
@@ -3191,7 +3195,9 @@
           <a:lstStyle/>
           <a:p>
             <a:pPr algn="ctr"/>
-            <a:endParaRPr lang="en-US" b="1" dirty="0"/>
+            <a:endParaRPr lang="en-US" dirty="0">
+              <a:latin typeface="+mj-lt"/>
+            </a:endParaRPr>
           </a:p>
         </p:txBody>
       </p:sp>
@@ -3243,17 +3249,19 @@
           <a:p>
             <a:pPr algn="ctr"/>
             <a:r>
-              <a:rPr lang="en-US" sz="1200" b="1" dirty="0" smtClean="0">
+              <a:rPr lang="en-US" sz="1050" dirty="0" smtClean="0">
                 <a:solidFill>
                   <a:schemeClr val="tx1"/>
                 </a:solidFill>
+                <a:latin typeface="+mj-lt"/>
               </a:rPr>
               <a:t>Coordinate Transformation</a:t>
             </a:r>
-            <a:endParaRPr lang="en-US" sz="1200" b="1" dirty="0">
+            <a:endParaRPr lang="en-US" sz="1050" dirty="0">
               <a:solidFill>
                 <a:schemeClr val="tx1"/>
               </a:solidFill>
+              <a:latin typeface="+mj-lt"/>
             </a:endParaRPr>
           </a:p>
         </p:txBody>
@@ -3309,17 +3317,19 @@
           <a:p>
             <a:pPr algn="ctr"/>
             <a:r>
-              <a:rPr lang="en-US" b="1" dirty="0" smtClean="0">
+              <a:rPr lang="en-US" dirty="0" smtClean="0">
                 <a:solidFill>
                   <a:schemeClr val="bg1"/>
                 </a:solidFill>
+                <a:latin typeface="+mj-lt"/>
               </a:rPr>
               <a:t>PLB</a:t>
             </a:r>
-            <a:endParaRPr lang="en-US" b="1" dirty="0">
+            <a:endParaRPr lang="en-US" dirty="0">
               <a:solidFill>
                 <a:schemeClr val="bg1"/>
               </a:solidFill>
+              <a:latin typeface="+mj-lt"/>
             </a:endParaRPr>
           </a:p>
         </p:txBody>
@@ -3375,10 +3385,14 @@
           <a:p>
             <a:pPr algn="ctr"/>
             <a:r>
-              <a:rPr lang="en-US" sz="1400" b="1" dirty="0" smtClean="0"/>
+              <a:rPr lang="en-US" sz="1050" dirty="0" smtClean="0">
+                <a:latin typeface="+mj-lt"/>
+              </a:rPr>
               <a:t>Vertex FIFO</a:t>
             </a:r>
-            <a:endParaRPr lang="en-US" sz="1400" b="1" dirty="0"/>
+            <a:endParaRPr lang="en-US" sz="1050" dirty="0">
+              <a:latin typeface="+mj-lt"/>
+            </a:endParaRPr>
           </a:p>
         </p:txBody>
       </p:sp>
@@ -3433,10 +3447,14 @@
           <a:p>
             <a:pPr algn="ctr"/>
             <a:r>
-              <a:rPr lang="en-US" sz="1400" b="1" dirty="0" smtClean="0"/>
+              <a:rPr lang="en-US" sz="1050" dirty="0" smtClean="0">
+                <a:latin typeface="+mj-lt"/>
+              </a:rPr>
               <a:t>Color FIFO</a:t>
             </a:r>
-            <a:endParaRPr lang="en-US" sz="1400" b="1" dirty="0"/>
+            <a:endParaRPr lang="en-US" sz="1050" dirty="0">
+              <a:latin typeface="+mj-lt"/>
+            </a:endParaRPr>
           </a:p>
         </p:txBody>
       </p:sp>
@@ -3449,7 +3467,7 @@
         <p:spPr>
           <a:xfrm>
             <a:off x="2286000" y="3733800"/>
-            <a:ext cx="1474314" cy="307777"/>
+            <a:ext cx="1474314" cy="253916"/>
           </a:xfrm>
           <a:prstGeom prst="rect">
             <a:avLst/>
@@ -3466,10 +3484,14 @@
           <a:lstStyle/>
           <a:p>
             <a:r>
-              <a:rPr lang="en-US" sz="1400" b="1" dirty="0" smtClean="0"/>
+              <a:rPr lang="en-US" sz="1050" dirty="0" smtClean="0">
+                <a:latin typeface="+mj-lt"/>
+              </a:rPr>
               <a:t>Graphics Pipeline</a:t>
             </a:r>
-            <a:endParaRPr lang="en-US" sz="1400" b="1" dirty="0"/>
+            <a:endParaRPr lang="en-US" sz="1050" dirty="0">
+              <a:latin typeface="+mj-lt"/>
+            </a:endParaRPr>
           </a:p>
         </p:txBody>
       </p:sp>
@@ -3520,7 +3542,9 @@
           <a:lstStyle/>
           <a:p>
             <a:pPr algn="ctr"/>
-            <a:endParaRPr lang="en-US" b="1"/>
+            <a:endParaRPr lang="en-US">
+              <a:latin typeface="+mj-lt"/>
+            </a:endParaRPr>
           </a:p>
         </p:txBody>
       </p:sp>
@@ -3571,7 +3595,9 @@
           <a:lstStyle/>
           <a:p>
             <a:pPr algn="ctr"/>
-            <a:endParaRPr lang="en-US" b="1"/>
+            <a:endParaRPr lang="en-US">
+              <a:latin typeface="+mj-lt"/>
+            </a:endParaRPr>
           </a:p>
         </p:txBody>
       </p:sp>
@@ -3623,25 +3649,28 @@
           <a:p>
             <a:pPr algn="ctr"/>
             <a:r>
-              <a:rPr lang="en-US" sz="1400" b="1" dirty="0" smtClean="0">
+              <a:rPr lang="en-US" sz="1050" dirty="0" smtClean="0">
                 <a:solidFill>
                   <a:schemeClr val="tx1"/>
                 </a:solidFill>
+                <a:latin typeface="+mj-lt"/>
               </a:rPr>
               <a:t>FIFO </a:t>
             </a:r>
             <a:r>
-              <a:rPr lang="en-US" sz="1400" b="1" dirty="0" err="1" smtClean="0">
+              <a:rPr lang="en-US" sz="1050" dirty="0" err="1" smtClean="0">
                 <a:solidFill>
                   <a:schemeClr val="tx1"/>
                 </a:solidFill>
+                <a:latin typeface="+mj-lt"/>
               </a:rPr>
               <a:t>Reg</a:t>
             </a:r>
-            <a:endParaRPr lang="en-US" sz="1400" b="1" dirty="0">
+            <a:endParaRPr lang="en-US" sz="1050" dirty="0">
               <a:solidFill>
                 <a:schemeClr val="tx1"/>
               </a:solidFill>
+              <a:latin typeface="+mj-lt"/>
             </a:endParaRPr>
           </a:p>
         </p:txBody>
@@ -3693,7 +3722,9 @@
           <a:lstStyle/>
           <a:p>
             <a:pPr algn="ctr"/>
-            <a:endParaRPr lang="en-US" b="1"/>
+            <a:endParaRPr lang="en-US">
+              <a:latin typeface="+mj-lt"/>
+            </a:endParaRPr>
           </a:p>
         </p:txBody>
       </p:sp>
@@ -3744,7 +3775,9 @@
           <a:lstStyle/>
           <a:p>
             <a:pPr algn="ctr"/>
-            <a:endParaRPr lang="en-US" b="1"/>
+            <a:endParaRPr lang="en-US">
+              <a:latin typeface="+mj-lt"/>
+            </a:endParaRPr>
           </a:p>
         </p:txBody>
       </p:sp>
@@ -3796,17 +3829,19 @@
           <a:p>
             <a:pPr algn="ctr"/>
             <a:r>
-              <a:rPr lang="en-US" sz="1400" b="1" dirty="0" err="1" smtClean="0">
+              <a:rPr lang="en-US" sz="1050" dirty="0" err="1" smtClean="0">
                 <a:solidFill>
                   <a:schemeClr val="tx1"/>
                 </a:solidFill>
+                <a:latin typeface="+mj-lt"/>
               </a:rPr>
               <a:t>Rasterizer</a:t>
             </a:r>
-            <a:endParaRPr lang="en-US" sz="1400" b="1" dirty="0">
+            <a:endParaRPr lang="en-US" sz="1050" dirty="0">
               <a:solidFill>
                 <a:schemeClr val="tx1"/>
               </a:solidFill>
+              <a:latin typeface="+mj-lt"/>
             </a:endParaRPr>
           </a:p>
         </p:txBody>
@@ -3862,10 +3897,14 @@
           <a:p>
             <a:pPr algn="ctr"/>
             <a:r>
-              <a:rPr lang="en-US" sz="1400" b="1" dirty="0" smtClean="0"/>
+              <a:rPr lang="en-US" sz="1050" dirty="0" smtClean="0">
+                <a:latin typeface="+mj-lt"/>
+              </a:rPr>
               <a:t>Pixel FIFO</a:t>
             </a:r>
-            <a:endParaRPr lang="en-US" sz="1400" b="1" dirty="0"/>
+            <a:endParaRPr lang="en-US" sz="1050" dirty="0">
+              <a:latin typeface="+mj-lt"/>
+            </a:endParaRPr>
           </a:p>
         </p:txBody>
       </p:sp>
@@ -3916,7 +3955,9 @@
           <a:lstStyle/>
           <a:p>
             <a:pPr algn="ctr"/>
-            <a:endParaRPr lang="en-US" b="1"/>
+            <a:endParaRPr lang="en-US">
+              <a:latin typeface="+mj-lt"/>
+            </a:endParaRPr>
           </a:p>
         </p:txBody>
       </p:sp>
@@ -3967,7 +4008,9 @@
           <a:lstStyle/>
           <a:p>
             <a:pPr algn="ctr"/>
-            <a:endParaRPr lang="en-US" b="1"/>
+            <a:endParaRPr lang="en-US">
+              <a:latin typeface="+mj-lt"/>
+            </a:endParaRPr>
           </a:p>
         </p:txBody>
       </p:sp>
@@ -4018,7 +4061,9 @@
           <a:lstStyle/>
           <a:p>
             <a:pPr algn="ctr"/>
-            <a:endParaRPr lang="en-US" b="1"/>
+            <a:endParaRPr lang="en-US">
+              <a:latin typeface="+mj-lt"/>
+            </a:endParaRPr>
           </a:p>
         </p:txBody>
       </p:sp>
@@ -4070,17 +4115,19 @@
           <a:p>
             <a:pPr algn="ctr"/>
             <a:r>
-              <a:rPr lang="en-US" sz="1400" b="1" dirty="0" smtClean="0">
+              <a:rPr lang="en-US" sz="1050" dirty="0" smtClean="0">
                 <a:solidFill>
                   <a:schemeClr val="tx1"/>
                 </a:solidFill>
+                <a:latin typeface="+mj-lt"/>
               </a:rPr>
               <a:t>FB Writer</a:t>
             </a:r>
-            <a:endParaRPr lang="en-US" sz="1400" b="1" dirty="0">
+            <a:endParaRPr lang="en-US" sz="1050" dirty="0">
               <a:solidFill>
                 <a:schemeClr val="tx1"/>
               </a:solidFill>
+              <a:latin typeface="+mj-lt"/>
             </a:endParaRPr>
           </a:p>
         </p:txBody>
@@ -4132,7 +4179,9 @@
           <a:lstStyle/>
           <a:p>
             <a:pPr algn="ctr"/>
-            <a:endParaRPr lang="en-US" b="1"/>
+            <a:endParaRPr lang="en-US">
+              <a:latin typeface="+mj-lt"/>
+            </a:endParaRPr>
           </a:p>
         </p:txBody>
       </p:sp>
@@ -4183,7 +4232,9 @@
           <a:lstStyle/>
           <a:p>
             <a:pPr algn="ctr"/>
-            <a:endParaRPr lang="en-US" b="1"/>
+            <a:endParaRPr lang="en-US">
+              <a:latin typeface="+mj-lt"/>
+            </a:endParaRPr>
           </a:p>
         </p:txBody>
       </p:sp>
@@ -4235,17 +4286,19 @@
           <a:p>
             <a:pPr algn="ctr"/>
             <a:r>
-              <a:rPr lang="en-US" sz="1400" b="1" dirty="0" smtClean="0">
+              <a:rPr lang="en-US" sz="1050" dirty="0" smtClean="0">
                 <a:solidFill>
                   <a:schemeClr val="tx1"/>
                 </a:solidFill>
+                <a:latin typeface="+mj-lt"/>
               </a:rPr>
               <a:t>TFT Controller</a:t>
             </a:r>
-            <a:endParaRPr lang="en-US" sz="1400" b="1" dirty="0">
+            <a:endParaRPr lang="en-US" sz="1050" dirty="0">
               <a:solidFill>
                 <a:schemeClr val="tx1"/>
               </a:solidFill>
+              <a:latin typeface="+mj-lt"/>
             </a:endParaRPr>
           </a:p>
         </p:txBody>
@@ -4299,10 +4352,11 @@
           <a:lstStyle/>
           <a:p>
             <a:pPr algn="ctr"/>
-            <a:endParaRPr lang="en-US" sz="1400" b="1" dirty="0">
+            <a:endParaRPr lang="en-US" sz="1400" dirty="0">
               <a:solidFill>
                 <a:schemeClr val="tx1"/>
               </a:solidFill>
+              <a:latin typeface="+mj-lt"/>
             </a:endParaRPr>
           </a:p>
         </p:txBody>
@@ -4355,17 +4409,19 @@
           <a:p>
             <a:pPr algn="ctr"/>
             <a:r>
-              <a:rPr lang="en-US" sz="1400" b="1" dirty="0" err="1" smtClean="0">
+              <a:rPr lang="en-US" sz="1050" dirty="0" err="1" smtClean="0">
                 <a:solidFill>
                   <a:schemeClr val="tx1"/>
                 </a:solidFill>
+                <a:latin typeface="+mj-lt"/>
               </a:rPr>
               <a:t>SDRam</a:t>
             </a:r>
-            <a:endParaRPr lang="en-US" sz="1400" b="1" dirty="0">
+            <a:endParaRPr lang="en-US" sz="1050" dirty="0">
               <a:solidFill>
                 <a:schemeClr val="tx1"/>
               </a:solidFill>
+              <a:latin typeface="+mj-lt"/>
             </a:endParaRPr>
           </a:p>
         </p:txBody>
@@ -4418,17 +4474,19 @@
           <a:p>
             <a:pPr algn="ctr"/>
             <a:r>
-              <a:rPr lang="en-US" sz="1400" b="1" dirty="0" err="1" smtClean="0">
+              <a:rPr lang="en-US" sz="1050" dirty="0" err="1" smtClean="0">
                 <a:solidFill>
                   <a:schemeClr val="tx1"/>
                 </a:solidFill>
+                <a:latin typeface="+mj-lt"/>
               </a:rPr>
               <a:t>Microblaze</a:t>
             </a:r>
-            <a:endParaRPr lang="en-US" sz="1400" b="1" dirty="0">
+            <a:endParaRPr lang="en-US" sz="1050" dirty="0">
               <a:solidFill>
                 <a:schemeClr val="tx1"/>
               </a:solidFill>
+              <a:latin typeface="+mj-lt"/>
             </a:endParaRPr>
           </a:p>
         </p:txBody>
@@ -4480,7 +4538,9 @@
           <a:lstStyle/>
           <a:p>
             <a:pPr algn="ctr"/>
-            <a:endParaRPr lang="en-US" b="1"/>
+            <a:endParaRPr lang="en-US">
+              <a:latin typeface="+mj-lt"/>
+            </a:endParaRPr>
           </a:p>
         </p:txBody>
       </p:sp>
@@ -4531,7 +4591,9 @@
           <a:lstStyle/>
           <a:p>
             <a:pPr algn="ctr"/>
-            <a:endParaRPr lang="en-US" b="1"/>
+            <a:endParaRPr lang="en-US">
+              <a:latin typeface="+mj-lt"/>
+            </a:endParaRPr>
           </a:p>
         </p:txBody>
       </p:sp>
@@ -4582,7 +4644,9 @@
           <a:lstStyle/>
           <a:p>
             <a:pPr algn="ctr"/>
-            <a:endParaRPr lang="en-US" b="1"/>
+            <a:endParaRPr lang="en-US">
+              <a:latin typeface="+mj-lt"/>
+            </a:endParaRPr>
           </a:p>
         </p:txBody>
       </p:sp>
@@ -4634,17 +4698,19 @@
           <a:p>
             <a:pPr algn="ctr"/>
             <a:r>
-              <a:rPr lang="en-US" sz="1400" b="1" dirty="0" smtClean="0">
+              <a:rPr lang="en-US" sz="1050" dirty="0" smtClean="0">
                 <a:solidFill>
                   <a:schemeClr val="tx1"/>
                 </a:solidFill>
+                <a:latin typeface="+mj-lt"/>
               </a:rPr>
               <a:t>Compact Flash</a:t>
             </a:r>
-            <a:endParaRPr lang="en-US" sz="1400" b="1" dirty="0">
+            <a:endParaRPr lang="en-US" sz="1050" dirty="0">
               <a:solidFill>
                 <a:schemeClr val="tx1"/>
               </a:solidFill>
+              <a:latin typeface="+mj-lt"/>
             </a:endParaRPr>
           </a:p>
         </p:txBody>
@@ -4697,17 +4763,19 @@
           <a:p>
             <a:pPr algn="ctr"/>
             <a:r>
-              <a:rPr lang="en-US" sz="1400" b="1" dirty="0" smtClean="0">
+              <a:rPr lang="en-US" sz="1050" dirty="0" smtClean="0">
                 <a:solidFill>
                   <a:schemeClr val="tx1"/>
                 </a:solidFill>
+                <a:latin typeface="+mj-lt"/>
               </a:rPr>
               <a:t>DMA Controller</a:t>
             </a:r>
-            <a:endParaRPr lang="en-US" sz="1400" b="1" dirty="0">
+            <a:endParaRPr lang="en-US" sz="1050" dirty="0">
               <a:solidFill>
                 <a:schemeClr val="tx1"/>
               </a:solidFill>
+              <a:latin typeface="+mj-lt"/>
             </a:endParaRPr>
           </a:p>
         </p:txBody>
@@ -4759,7 +4827,9 @@
           <a:lstStyle/>
           <a:p>
             <a:pPr algn="ctr"/>
-            <a:endParaRPr lang="en-US" b="1"/>
+            <a:endParaRPr lang="en-US">
+              <a:latin typeface="+mj-lt"/>
+            </a:endParaRPr>
           </a:p>
         </p:txBody>
       </p:sp>
@@ -4810,7 +4880,9 @@
           <a:lstStyle/>
           <a:p>
             <a:pPr algn="ctr"/>
-            <a:endParaRPr lang="en-US" b="1"/>
+            <a:endParaRPr lang="en-US">
+              <a:latin typeface="+mj-lt"/>
+            </a:endParaRPr>
           </a:p>
         </p:txBody>
       </p:sp>
@@ -4823,7 +4895,7 @@
         <p:spPr>
           <a:xfrm>
             <a:off x="3429000" y="1447800"/>
-            <a:ext cx="1563698" cy="369332"/>
+            <a:ext cx="1236942" cy="307777"/>
           </a:xfrm>
           <a:prstGeom prst="rect">
             <a:avLst/>
@@ -4840,10 +4912,14 @@
           <a:lstStyle/>
           <a:p>
             <a:r>
-              <a:rPr lang="en-US" b="1" dirty="0" smtClean="0"/>
+              <a:rPr lang="en-US" sz="1400" dirty="0" smtClean="0">
+                <a:latin typeface="+mj-lt"/>
+              </a:rPr>
               <a:t>XUPV5-LX110t</a:t>
             </a:r>
-            <a:endParaRPr lang="en-US" b="1" dirty="0"/>
+            <a:endParaRPr lang="en-US" sz="1400" dirty="0">
+              <a:latin typeface="+mj-lt"/>
+            </a:endParaRPr>
           </a:p>
         </p:txBody>
       </p:sp>
@@ -4897,17 +4973,19 @@
           <a:p>
             <a:pPr algn="ctr"/>
             <a:r>
-              <a:rPr lang="en-US" b="1" dirty="0" smtClean="0">
+              <a:rPr lang="en-US" sz="1400" dirty="0" smtClean="0">
                 <a:solidFill>
                   <a:schemeClr val="tx1"/>
                 </a:solidFill>
+                <a:latin typeface="+mj-lt"/>
               </a:rPr>
               <a:t>Display</a:t>
             </a:r>
-            <a:endParaRPr lang="en-US" b="1" dirty="0">
+            <a:endParaRPr lang="en-US" sz="1400" dirty="0">
               <a:solidFill>
                 <a:schemeClr val="tx1"/>
               </a:solidFill>
+              <a:latin typeface="+mj-lt"/>
             </a:endParaRPr>
           </a:p>
         </p:txBody>
@@ -4959,7 +5037,9 @@
           <a:lstStyle/>
           <a:p>
             <a:pPr algn="ctr"/>
-            <a:endParaRPr lang="en-US" b="1"/>
+            <a:endParaRPr lang="en-US">
+              <a:latin typeface="+mj-lt"/>
+            </a:endParaRPr>
           </a:p>
         </p:txBody>
       </p:sp>
@@ -4972,7 +5052,7 @@
         <p:spPr>
           <a:xfrm>
             <a:off x="5943600" y="457200"/>
-            <a:ext cx="921086" cy="369332"/>
+            <a:ext cx="750142" cy="307777"/>
           </a:xfrm>
           <a:prstGeom prst="rect">
             <a:avLst/>
@@ -4989,10 +5069,14 @@
           <a:lstStyle/>
           <a:p>
             <a:r>
-              <a:rPr lang="en-US" b="1" dirty="0" smtClean="0"/>
+              <a:rPr lang="en-US" sz="1400" dirty="0" smtClean="0">
+                <a:latin typeface="+mj-lt"/>
+              </a:rPr>
               <a:t>Host PC</a:t>
             </a:r>
-            <a:endParaRPr lang="en-US" b="1" dirty="0"/>
+            <a:endParaRPr lang="en-US" sz="1400" dirty="0">
+              <a:latin typeface="+mj-lt"/>
+            </a:endParaRPr>
           </a:p>
         </p:txBody>
       </p:sp>
@@ -5044,10 +5128,11 @@
           <a:p>
             <a:pPr algn="ctr"/>
             <a:r>
-              <a:rPr lang="en-US" sz="1400" b="1" dirty="0" smtClean="0">
+              <a:rPr lang="en-US" sz="1050" dirty="0" smtClean="0">
                 <a:solidFill>
                   <a:schemeClr val="tx1"/>
                 </a:solidFill>
+                <a:latin typeface="+mj-lt"/>
               </a:rPr>
               <a:t>Perl Parser</a:t>
             </a:r>
@@ -5101,7 +5186,9 @@
           <a:lstStyle/>
           <a:p>
             <a:pPr algn="ctr"/>
-            <a:endParaRPr lang="en-US" b="1"/>
+            <a:endParaRPr lang="en-US">
+              <a:latin typeface="+mj-lt"/>
+            </a:endParaRPr>
           </a:p>
         </p:txBody>
       </p:sp>
@@ -5138,15 +5225,20 @@
         </p:nvSpPr>
         <p:spPr>
           <a:xfrm>
-            <a:off x="1981200" y="1676400"/>
-            <a:ext cx="5715000" cy="4191000"/>
+            <a:off x="2209800" y="1981200"/>
+            <a:ext cx="4648200" cy="3810000"/>
           </a:xfrm>
           <a:prstGeom prst="rect">
             <a:avLst/>
           </a:prstGeom>
           <a:solidFill>
-            <a:srgbClr val="92D050"/>
-          </a:solidFill>
+            <a:schemeClr val="bg2"/>
+          </a:solidFill>
+          <a:ln w="12700">
+            <a:solidFill>
+              <a:schemeClr val="tx1"/>
+            </a:solidFill>
+          </a:ln>
         </p:spPr>
         <p:style>
           <a:lnRef idx="2">
@@ -5169,7 +5261,9 @@
           <a:lstStyle/>
           <a:p>
             <a:pPr algn="ctr"/>
-            <a:endParaRPr lang="en-US" sz="1400" dirty="0"/>
+            <a:endParaRPr lang="en-US" sz="1400" dirty="0">
+              <a:latin typeface="+mj-lt"/>
+            </a:endParaRPr>
           </a:p>
         </p:txBody>
       </p:sp>
@@ -5181,12 +5275,23 @@
         </p:nvSpPr>
         <p:spPr>
           <a:xfrm>
-            <a:off x="2743200" y="2133600"/>
-            <a:ext cx="1143000" cy="1219200"/>
+            <a:off x="2362200" y="2133600"/>
+            <a:ext cx="1524000" cy="1524000"/>
           </a:xfrm>
           <a:prstGeom prst="flowChartProcess">
             <a:avLst/>
           </a:prstGeom>
+          <a:solidFill>
+            <a:schemeClr val="tx1">
+              <a:lumMod val="50000"/>
+              <a:lumOff val="50000"/>
+            </a:schemeClr>
+          </a:solidFill>
+          <a:ln w="12700">
+            <a:solidFill>
+              <a:schemeClr val="tx1"/>
+            </a:solidFill>
+          </a:ln>
         </p:spPr>
         <p:style>
           <a:lnRef idx="2">
@@ -5210,10 +5315,14 @@
           <a:p>
             <a:pPr algn="ctr"/>
             <a:r>
-              <a:rPr lang="en-US" sz="1400" dirty="0" smtClean="0"/>
+              <a:rPr lang="en-US" sz="1400" dirty="0" smtClean="0">
+                <a:latin typeface="+mj-lt"/>
+              </a:rPr>
               <a:t>Instruction Cache</a:t>
             </a:r>
-            <a:endParaRPr lang="en-US" sz="1400" dirty="0"/>
+            <a:endParaRPr lang="en-US" sz="1400" dirty="0">
+              <a:latin typeface="+mj-lt"/>
+            </a:endParaRPr>
           </a:p>
         </p:txBody>
       </p:sp>
@@ -5225,13 +5334,16 @@
         </p:nvSpPr>
         <p:spPr>
           <a:xfrm>
-            <a:off x="2667000" y="1752600"/>
+            <a:off x="5105400" y="2362200"/>
             <a:ext cx="1981200" cy="307777"/>
           </a:xfrm>
           <a:prstGeom prst="rect">
             <a:avLst/>
           </a:prstGeom>
           <a:noFill/>
+          <a:ln w="12700">
+            <a:noFill/>
+          </a:ln>
         </p:spPr>
         <p:txBody>
           <a:bodyPr wrap="square" rtlCol="0">
@@ -5240,10 +5352,14 @@
           <a:lstStyle/>
           <a:p>
             <a:r>
-              <a:rPr lang="en-US" sz="1400" dirty="0" smtClean="0"/>
+              <a:rPr lang="en-US" sz="1400" dirty="0" smtClean="0">
+                <a:latin typeface="+mj-lt"/>
+              </a:rPr>
               <a:t>Coordinate Transform</a:t>
             </a:r>
-            <a:endParaRPr lang="en-US" sz="1400" dirty="0"/>
+            <a:endParaRPr lang="en-US" sz="1400" dirty="0">
+              <a:latin typeface="+mj-lt"/>
+            </a:endParaRPr>
           </a:p>
         </p:txBody>
       </p:sp>
@@ -5255,12 +5371,23 @@
         </p:nvSpPr>
         <p:spPr>
           <a:xfrm>
-            <a:off x="4038600" y="2819400"/>
-            <a:ext cx="914400" cy="533400"/>
+            <a:off x="4038600" y="2971800"/>
+            <a:ext cx="914400" cy="685800"/>
           </a:xfrm>
           <a:prstGeom prst="flowChartProcess">
             <a:avLst/>
           </a:prstGeom>
+          <a:solidFill>
+            <a:schemeClr val="tx1">
+              <a:lumMod val="50000"/>
+              <a:lumOff val="50000"/>
+            </a:schemeClr>
+          </a:solidFill>
+          <a:ln w="12700">
+            <a:solidFill>
+              <a:schemeClr val="tx1"/>
+            </a:solidFill>
+          </a:ln>
         </p:spPr>
         <p:style>
           <a:lnRef idx="2">
@@ -5284,10 +5411,14 @@
           <a:p>
             <a:pPr algn="ctr"/>
             <a:r>
-              <a:rPr lang="en-US" sz="1400" dirty="0" smtClean="0"/>
+              <a:rPr lang="en-US" sz="1400" dirty="0" smtClean="0">
+                <a:latin typeface="+mj-lt"/>
+              </a:rPr>
               <a:t>Decode</a:t>
             </a:r>
-            <a:endParaRPr lang="en-US" sz="1400" dirty="0"/>
+            <a:endParaRPr lang="en-US" sz="1400" dirty="0">
+              <a:latin typeface="+mj-lt"/>
+            </a:endParaRPr>
           </a:p>
         </p:txBody>
       </p:sp>
@@ -5300,11 +5431,22 @@
         <p:spPr>
           <a:xfrm>
             <a:off x="4038600" y="2133600"/>
-            <a:ext cx="914400" cy="533400"/>
+            <a:ext cx="914400" cy="685800"/>
           </a:xfrm>
           <a:prstGeom prst="flowChartProcess">
             <a:avLst/>
           </a:prstGeom>
+          <a:solidFill>
+            <a:schemeClr val="tx1">
+              <a:lumMod val="50000"/>
+              <a:lumOff val="50000"/>
+            </a:schemeClr>
+          </a:solidFill>
+          <a:ln w="12700">
+            <a:solidFill>
+              <a:schemeClr val="tx1"/>
+            </a:solidFill>
+          </a:ln>
         </p:spPr>
         <p:style>
           <a:lnRef idx="2">
@@ -5328,10 +5470,14 @@
           <a:p>
             <a:pPr algn="ctr"/>
             <a:r>
-              <a:rPr lang="en-US" sz="1400" dirty="0" smtClean="0"/>
+              <a:rPr lang="en-US" sz="1400" dirty="0" smtClean="0">
+                <a:latin typeface="+mj-lt"/>
+              </a:rPr>
               <a:t>Fetch</a:t>
             </a:r>
-            <a:endParaRPr lang="en-US" sz="1400" dirty="0"/>
+            <a:endParaRPr lang="en-US" sz="1400" dirty="0">
+              <a:latin typeface="+mj-lt"/>
+            </a:endParaRPr>
           </a:p>
         </p:txBody>
       </p:sp>
@@ -5343,12 +5489,23 @@
         </p:nvSpPr>
         <p:spPr>
           <a:xfrm>
-            <a:off x="6248400" y="1828800"/>
-            <a:ext cx="1219200" cy="1524000"/>
+            <a:off x="5257800" y="3886200"/>
+            <a:ext cx="1447800" cy="1752600"/>
           </a:xfrm>
           <a:prstGeom prst="flowChartProcess">
             <a:avLst/>
           </a:prstGeom>
+          <a:solidFill>
+            <a:schemeClr val="tx1">
+              <a:lumMod val="50000"/>
+              <a:lumOff val="50000"/>
+            </a:schemeClr>
+          </a:solidFill>
+          <a:ln w="12700">
+            <a:solidFill>
+              <a:schemeClr val="tx1"/>
+            </a:solidFill>
+          </a:ln>
         </p:spPr>
         <p:style>
           <a:lnRef idx="2">
@@ -5371,11 +5528,9 @@
           <a:lstStyle/>
           <a:p>
             <a:pPr algn="ctr"/>
-            <a:r>
-              <a:rPr lang="en-US" sz="1400" dirty="0" smtClean="0"/>
-              <a:t>Matrix Multiply</a:t>
-            </a:r>
-            <a:endParaRPr lang="en-US" sz="1400" dirty="0"/>
+            <a:endParaRPr lang="en-US" sz="1400" dirty="0">
+              <a:latin typeface="+mj-lt"/>
+            </a:endParaRPr>
           </a:p>
         </p:txBody>
       </p:sp>
@@ -5387,12 +5542,23 @@
         </p:nvSpPr>
         <p:spPr>
           <a:xfrm>
-            <a:off x="5105400" y="1828800"/>
-            <a:ext cx="990600" cy="1524000"/>
+            <a:off x="2362200" y="3886200"/>
+            <a:ext cx="2590800" cy="1752600"/>
           </a:xfrm>
           <a:prstGeom prst="flowChartProcess">
             <a:avLst/>
           </a:prstGeom>
+          <a:solidFill>
+            <a:schemeClr val="tx1">
+              <a:lumMod val="50000"/>
+              <a:lumOff val="50000"/>
+            </a:schemeClr>
+          </a:solidFill>
+          <a:ln w="12700">
+            <a:solidFill>
+              <a:schemeClr val="tx1"/>
+            </a:solidFill>
+          </a:ln>
         </p:spPr>
         <p:style>
           <a:lnRef idx="2">
@@ -5415,11 +5581,9 @@
           <a:lstStyle/>
           <a:p>
             <a:pPr algn="ctr"/>
-            <a:r>
-              <a:rPr lang="en-US" sz="1400" dirty="0" smtClean="0"/>
-              <a:t>Matrix Control</a:t>
-            </a:r>
-            <a:endParaRPr lang="en-US" sz="1400" dirty="0"/>
+            <a:endParaRPr lang="en-US" sz="1400" dirty="0">
+              <a:latin typeface="+mj-lt"/>
+            </a:endParaRPr>
           </a:p>
         </p:txBody>
       </p:sp>
@@ -5431,15 +5595,20 @@
         </p:nvSpPr>
         <p:spPr>
           <a:xfrm>
-            <a:off x="6477000" y="1981200"/>
-            <a:ext cx="762000" cy="381000"/>
+            <a:off x="5486400" y="4343400"/>
+            <a:ext cx="990600" cy="1066800"/>
           </a:xfrm>
           <a:prstGeom prst="flowChartProcess">
             <a:avLst/>
           </a:prstGeom>
           <a:solidFill>
-            <a:schemeClr val="accent6"/>
-          </a:solidFill>
+            <a:schemeClr val="bg2"/>
+          </a:solidFill>
+          <a:ln w="12700">
+            <a:solidFill>
+              <a:schemeClr val="tx1"/>
+            </a:solidFill>
+          </a:ln>
         </p:spPr>
         <p:style>
           <a:lnRef idx="2">
@@ -5463,10 +5632,20 @@
           <a:p>
             <a:pPr algn="ctr"/>
             <a:r>
-              <a:rPr lang="en-US" sz="1400" dirty="0" smtClean="0"/>
+              <a:rPr lang="en-US" sz="1200" dirty="0" smtClean="0">
+                <a:solidFill>
+                  <a:schemeClr val="tx1"/>
+                </a:solidFill>
+                <a:latin typeface="+mj-lt"/>
+              </a:rPr>
               <a:t>Matrix Row Comp</a:t>
             </a:r>
-            <a:endParaRPr lang="en-US" sz="1400" dirty="0"/>
+            <a:endParaRPr lang="en-US" sz="1200" dirty="0">
+              <a:solidFill>
+                <a:schemeClr val="tx1"/>
+              </a:solidFill>
+              <a:latin typeface="+mj-lt"/>
+            </a:endParaRPr>
           </a:p>
         </p:txBody>
       </p:sp>
@@ -5487,6 +5666,11 @@
           <a:solidFill>
             <a:schemeClr val="bg1"/>
           </a:solidFill>
+          <a:ln w="12700">
+            <a:solidFill>
+              <a:schemeClr val="tx1"/>
+            </a:solidFill>
+          </a:ln>
         </p:spPr>
         <p:style>
           <a:lnRef idx="2">
@@ -5509,7 +5693,9 @@
           <a:lstStyle/>
           <a:p>
             <a:pPr algn="ctr"/>
-            <a:endParaRPr lang="en-US" sz="1400"/>
+            <a:endParaRPr lang="en-US" sz="1400">
+              <a:latin typeface="+mj-lt"/>
+            </a:endParaRPr>
           </a:p>
         </p:txBody>
       </p:sp>
@@ -5521,7 +5707,7 @@
         </p:nvSpPr>
         <p:spPr>
           <a:xfrm rot="5400000">
-            <a:off x="4343400" y="2590800"/>
+            <a:off x="4343400" y="2743200"/>
             <a:ext cx="304800" cy="304800"/>
           </a:xfrm>
           <a:prstGeom prst="rightArrow">
@@ -5530,6 +5716,11 @@
           <a:solidFill>
             <a:schemeClr val="bg1"/>
           </a:solidFill>
+          <a:ln w="12700">
+            <a:solidFill>
+              <a:schemeClr val="tx1"/>
+            </a:solidFill>
+          </a:ln>
         </p:spPr>
         <p:style>
           <a:lnRef idx="2">
@@ -5552,7 +5743,482 @@
           <a:lstStyle/>
           <a:p>
             <a:pPr algn="ctr"/>
-            <a:endParaRPr lang="en-US" sz="1400"/>
+            <a:endParaRPr lang="en-US" sz="1400">
+              <a:latin typeface="+mj-lt"/>
+            </a:endParaRPr>
+          </a:p>
+        </p:txBody>
+      </p:sp>
+      <p:sp>
+        <p:nvSpPr>
+          <p:cNvPr id="14" name="Flowchart: Process 13"/>
+          <p:cNvSpPr/>
+          <p:nvPr/>
+        </p:nvSpPr>
+        <p:spPr>
+          <a:xfrm>
+            <a:off x="2514600" y="4343400"/>
+            <a:ext cx="990600" cy="1066800"/>
+          </a:xfrm>
+          <a:prstGeom prst="flowChartProcess">
+            <a:avLst/>
+          </a:prstGeom>
+          <a:solidFill>
+            <a:schemeClr val="bg2"/>
+          </a:solidFill>
+          <a:ln w="12700">
+            <a:solidFill>
+              <a:schemeClr val="tx1"/>
+            </a:solidFill>
+          </a:ln>
+        </p:spPr>
+        <p:style>
+          <a:lnRef idx="2">
+            <a:schemeClr val="accent1">
+              <a:shade val="50000"/>
+            </a:schemeClr>
+          </a:lnRef>
+          <a:fillRef idx="1">
+            <a:schemeClr val="accent1"/>
+          </a:fillRef>
+          <a:effectRef idx="0">
+            <a:schemeClr val="accent1"/>
+          </a:effectRef>
+          <a:fontRef idx="minor">
+            <a:schemeClr val="lt1"/>
+          </a:fontRef>
+        </p:style>
+        <p:txBody>
+          <a:bodyPr rtlCol="0" anchor="ctr"/>
+          <a:lstStyle/>
+          <a:p>
+            <a:pPr algn="ctr"/>
+            <a:r>
+              <a:rPr lang="en-US" sz="1200" dirty="0" err="1" smtClean="0">
+                <a:solidFill>
+                  <a:schemeClr val="tx1"/>
+                </a:solidFill>
+                <a:latin typeface="+mj-lt"/>
+              </a:rPr>
+              <a:t>Modelview</a:t>
+            </a:r>
+            <a:r>
+              <a:rPr lang="en-US" sz="1200" dirty="0" smtClean="0">
+                <a:solidFill>
+                  <a:schemeClr val="tx1"/>
+                </a:solidFill>
+                <a:latin typeface="+mj-lt"/>
+              </a:rPr>
+              <a:t> Stack</a:t>
+            </a:r>
+            <a:endParaRPr lang="en-US" sz="1200" dirty="0">
+              <a:solidFill>
+                <a:schemeClr val="tx1"/>
+              </a:solidFill>
+              <a:latin typeface="+mj-lt"/>
+            </a:endParaRPr>
+          </a:p>
+        </p:txBody>
+      </p:sp>
+      <p:sp>
+        <p:nvSpPr>
+          <p:cNvPr id="15" name="Flowchart: Process 14"/>
+          <p:cNvSpPr/>
+          <p:nvPr/>
+        </p:nvSpPr>
+        <p:spPr>
+          <a:xfrm>
+            <a:off x="3810000" y="4343400"/>
+            <a:ext cx="990600" cy="1066800"/>
+          </a:xfrm>
+          <a:prstGeom prst="flowChartProcess">
+            <a:avLst/>
+          </a:prstGeom>
+          <a:solidFill>
+            <a:schemeClr val="bg2"/>
+          </a:solidFill>
+          <a:ln w="12700">
+            <a:solidFill>
+              <a:schemeClr val="tx1"/>
+            </a:solidFill>
+          </a:ln>
+        </p:spPr>
+        <p:style>
+          <a:lnRef idx="2">
+            <a:schemeClr val="accent1">
+              <a:shade val="50000"/>
+            </a:schemeClr>
+          </a:lnRef>
+          <a:fillRef idx="1">
+            <a:schemeClr val="accent1"/>
+          </a:fillRef>
+          <a:effectRef idx="0">
+            <a:schemeClr val="accent1"/>
+          </a:effectRef>
+          <a:fontRef idx="minor">
+            <a:schemeClr val="lt1"/>
+          </a:fontRef>
+        </p:style>
+        <p:txBody>
+          <a:bodyPr rtlCol="0" anchor="ctr"/>
+          <a:lstStyle/>
+          <a:p>
+            <a:pPr algn="ctr"/>
+            <a:r>
+              <a:rPr lang="en-US" sz="1200" dirty="0" smtClean="0">
+                <a:solidFill>
+                  <a:schemeClr val="tx1"/>
+                </a:solidFill>
+                <a:latin typeface="+mj-lt"/>
+              </a:rPr>
+              <a:t>Projection Stack</a:t>
+            </a:r>
+            <a:endParaRPr lang="en-US" sz="1200" dirty="0">
+              <a:solidFill>
+                <a:schemeClr val="tx1"/>
+              </a:solidFill>
+              <a:latin typeface="+mj-lt"/>
+            </a:endParaRPr>
+          </a:p>
+        </p:txBody>
+      </p:sp>
+      <p:sp>
+        <p:nvSpPr>
+          <p:cNvPr id="16" name="TextBox 15"/>
+          <p:cNvSpPr txBox="1"/>
+          <p:nvPr/>
+        </p:nvSpPr>
+        <p:spPr>
+          <a:xfrm>
+            <a:off x="3048000" y="3962400"/>
+            <a:ext cx="1371600" cy="307777"/>
+          </a:xfrm>
+          <a:prstGeom prst="rect">
+            <a:avLst/>
+          </a:prstGeom>
+          <a:noFill/>
+          <a:ln w="12700">
+            <a:noFill/>
+          </a:ln>
+        </p:spPr>
+        <p:txBody>
+          <a:bodyPr wrap="square" rtlCol="0">
+            <a:spAutoFit/>
+          </a:bodyPr>
+          <a:lstStyle/>
+          <a:p>
+            <a:r>
+              <a:rPr lang="en-US" sz="1400" dirty="0" smtClean="0">
+                <a:solidFill>
+                  <a:schemeClr val="bg1"/>
+                </a:solidFill>
+                <a:latin typeface="+mj-lt"/>
+              </a:rPr>
+              <a:t>Matrix Control</a:t>
+            </a:r>
+            <a:endParaRPr lang="en-US" sz="1400" dirty="0">
+              <a:solidFill>
+                <a:schemeClr val="bg1"/>
+              </a:solidFill>
+              <a:latin typeface="+mj-lt"/>
+            </a:endParaRPr>
+          </a:p>
+        </p:txBody>
+      </p:sp>
+      <p:sp>
+        <p:nvSpPr>
+          <p:cNvPr id="18" name="Right Arrow 17"/>
+          <p:cNvSpPr/>
+          <p:nvPr/>
+        </p:nvSpPr>
+        <p:spPr>
+          <a:xfrm rot="5400000">
+            <a:off x="2705100" y="3619500"/>
+            <a:ext cx="381000" cy="304800"/>
+          </a:xfrm>
+          <a:prstGeom prst="rightArrow">
+            <a:avLst/>
+          </a:prstGeom>
+          <a:solidFill>
+            <a:schemeClr val="bg1"/>
+          </a:solidFill>
+          <a:ln w="12700">
+            <a:solidFill>
+              <a:schemeClr val="tx1"/>
+            </a:solidFill>
+          </a:ln>
+        </p:spPr>
+        <p:style>
+          <a:lnRef idx="2">
+            <a:schemeClr val="accent1">
+              <a:shade val="50000"/>
+            </a:schemeClr>
+          </a:lnRef>
+          <a:fillRef idx="1">
+            <a:schemeClr val="accent1"/>
+          </a:fillRef>
+          <a:effectRef idx="0">
+            <a:schemeClr val="accent1"/>
+          </a:effectRef>
+          <a:fontRef idx="minor">
+            <a:schemeClr val="lt1"/>
+          </a:fontRef>
+        </p:style>
+        <p:txBody>
+          <a:bodyPr rtlCol="0" anchor="ctr"/>
+          <a:lstStyle/>
+          <a:p>
+            <a:pPr algn="ctr"/>
+            <a:endParaRPr lang="en-US" sz="1400">
+              <a:latin typeface="+mj-lt"/>
+            </a:endParaRPr>
+          </a:p>
+        </p:txBody>
+      </p:sp>
+      <p:sp>
+        <p:nvSpPr>
+          <p:cNvPr id="19" name="Right Arrow 18"/>
+          <p:cNvSpPr/>
+          <p:nvPr/>
+        </p:nvSpPr>
+        <p:spPr>
+          <a:xfrm>
+            <a:off x="3810000" y="3124200"/>
+            <a:ext cx="304800" cy="304800"/>
+          </a:xfrm>
+          <a:prstGeom prst="rightArrow">
+            <a:avLst/>
+          </a:prstGeom>
+          <a:solidFill>
+            <a:schemeClr val="bg1"/>
+          </a:solidFill>
+          <a:ln w="12700">
+            <a:solidFill>
+              <a:schemeClr val="tx1"/>
+            </a:solidFill>
+          </a:ln>
+        </p:spPr>
+        <p:style>
+          <a:lnRef idx="2">
+            <a:schemeClr val="accent1">
+              <a:shade val="50000"/>
+            </a:schemeClr>
+          </a:lnRef>
+          <a:fillRef idx="1">
+            <a:schemeClr val="accent1"/>
+          </a:fillRef>
+          <a:effectRef idx="0">
+            <a:schemeClr val="accent1"/>
+          </a:effectRef>
+          <a:fontRef idx="minor">
+            <a:schemeClr val="lt1"/>
+          </a:fontRef>
+        </p:style>
+        <p:txBody>
+          <a:bodyPr rtlCol="0" anchor="ctr"/>
+          <a:lstStyle/>
+          <a:p>
+            <a:pPr algn="ctr"/>
+            <a:endParaRPr lang="en-US" sz="1400">
+              <a:latin typeface="+mj-lt"/>
+            </a:endParaRPr>
+          </a:p>
+        </p:txBody>
+      </p:sp>
+      <p:sp>
+        <p:nvSpPr>
+          <p:cNvPr id="21" name="TextBox 20"/>
+          <p:cNvSpPr txBox="1"/>
+          <p:nvPr/>
+        </p:nvSpPr>
+        <p:spPr>
+          <a:xfrm>
+            <a:off x="5257800" y="3962400"/>
+            <a:ext cx="1600200" cy="307777"/>
+          </a:xfrm>
+          <a:prstGeom prst="rect">
+            <a:avLst/>
+          </a:prstGeom>
+          <a:noFill/>
+          <a:ln w="12700">
+            <a:noFill/>
+          </a:ln>
+        </p:spPr>
+        <p:txBody>
+          <a:bodyPr wrap="square" rtlCol="0">
+            <a:spAutoFit/>
+          </a:bodyPr>
+          <a:lstStyle/>
+          <a:p>
+            <a:r>
+              <a:rPr lang="en-US" sz="1400" dirty="0" smtClean="0">
+                <a:solidFill>
+                  <a:schemeClr val="bg1"/>
+                </a:solidFill>
+                <a:latin typeface="+mj-lt"/>
+              </a:rPr>
+              <a:t>Matrix Multiply</a:t>
+            </a:r>
+            <a:endParaRPr lang="en-US" sz="1400" dirty="0">
+              <a:solidFill>
+                <a:schemeClr val="bg1"/>
+              </a:solidFill>
+              <a:latin typeface="+mj-lt"/>
+            </a:endParaRPr>
+          </a:p>
+        </p:txBody>
+      </p:sp>
+      <p:sp>
+        <p:nvSpPr>
+          <p:cNvPr id="22" name="Right Arrow 21"/>
+          <p:cNvSpPr/>
+          <p:nvPr/>
+        </p:nvSpPr>
+        <p:spPr>
+          <a:xfrm>
+            <a:off x="4876800" y="4724400"/>
+            <a:ext cx="685800" cy="304800"/>
+          </a:xfrm>
+          <a:prstGeom prst="rightArrow">
+            <a:avLst/>
+          </a:prstGeom>
+          <a:solidFill>
+            <a:schemeClr val="bg1"/>
+          </a:solidFill>
+          <a:ln w="12700">
+            <a:solidFill>
+              <a:schemeClr val="tx1"/>
+            </a:solidFill>
+          </a:ln>
+        </p:spPr>
+        <p:style>
+          <a:lnRef idx="2">
+            <a:schemeClr val="accent1">
+              <a:shade val="50000"/>
+            </a:schemeClr>
+          </a:lnRef>
+          <a:fillRef idx="1">
+            <a:schemeClr val="accent1"/>
+          </a:fillRef>
+          <a:effectRef idx="0">
+            <a:schemeClr val="accent1"/>
+          </a:effectRef>
+          <a:fontRef idx="minor">
+            <a:schemeClr val="lt1"/>
+          </a:fontRef>
+        </p:style>
+        <p:txBody>
+          <a:bodyPr rtlCol="0" anchor="ctr"/>
+          <a:lstStyle/>
+          <a:p>
+            <a:pPr algn="ctr"/>
+            <a:endParaRPr lang="en-US" sz="1400">
+              <a:latin typeface="+mj-lt"/>
+            </a:endParaRPr>
+          </a:p>
+        </p:txBody>
+      </p:sp>
+      <p:sp>
+        <p:nvSpPr>
+          <p:cNvPr id="23" name="Bent-Up Arrow 22"/>
+          <p:cNvSpPr/>
+          <p:nvPr/>
+        </p:nvSpPr>
+        <p:spPr>
+          <a:xfrm rot="10800000" flipH="1">
+            <a:off x="4876800" y="3200400"/>
+            <a:ext cx="1295400" cy="762000"/>
+          </a:xfrm>
+          <a:prstGeom prst="bentUpArrow">
+            <a:avLst>
+              <a:gd name="adj1" fmla="val 23270"/>
+              <a:gd name="adj2" fmla="val 20596"/>
+              <a:gd name="adj3" fmla="val 21697"/>
+            </a:avLst>
+          </a:prstGeom>
+          <a:solidFill>
+            <a:schemeClr val="bg1"/>
+          </a:solidFill>
+          <a:ln w="12700">
+            <a:solidFill>
+              <a:schemeClr val="tx1"/>
+            </a:solidFill>
+          </a:ln>
+        </p:spPr>
+        <p:style>
+          <a:lnRef idx="2">
+            <a:schemeClr val="accent1">
+              <a:shade val="50000"/>
+            </a:schemeClr>
+          </a:lnRef>
+          <a:fillRef idx="1">
+            <a:schemeClr val="accent1"/>
+          </a:fillRef>
+          <a:effectRef idx="0">
+            <a:schemeClr val="accent1"/>
+          </a:effectRef>
+          <a:fontRef idx="minor">
+            <a:schemeClr val="lt1"/>
+          </a:fontRef>
+        </p:style>
+        <p:txBody>
+          <a:bodyPr rtlCol="0" anchor="ctr"/>
+          <a:lstStyle/>
+          <a:p>
+            <a:pPr algn="ctr"/>
+            <a:endParaRPr lang="en-US">
+              <a:latin typeface="+mj-lt"/>
+            </a:endParaRPr>
+          </a:p>
+        </p:txBody>
+      </p:sp>
+      <p:sp>
+        <p:nvSpPr>
+          <p:cNvPr id="24" name="Right Arrow 23"/>
+          <p:cNvSpPr/>
+          <p:nvPr/>
+        </p:nvSpPr>
+        <p:spPr>
+          <a:xfrm rot="5400000">
+            <a:off x="4305300" y="3619500"/>
+            <a:ext cx="381000" cy="304800"/>
+          </a:xfrm>
+          <a:prstGeom prst="rightArrow">
+            <a:avLst/>
+          </a:prstGeom>
+          <a:solidFill>
+            <a:schemeClr val="bg1"/>
+          </a:solidFill>
+          <a:ln w="12700">
+            <a:solidFill>
+              <a:schemeClr val="tx1"/>
+            </a:solidFill>
+          </a:ln>
+        </p:spPr>
+        <p:style>
+          <a:lnRef idx="2">
+            <a:schemeClr val="accent1">
+              <a:shade val="50000"/>
+            </a:schemeClr>
+          </a:lnRef>
+          <a:fillRef idx="1">
+            <a:schemeClr val="accent1"/>
+          </a:fillRef>
+          <a:effectRef idx="0">
+            <a:schemeClr val="accent1"/>
+          </a:effectRef>
+          <a:fontRef idx="minor">
+            <a:schemeClr val="lt1"/>
+          </a:fontRef>
+        </p:style>
+        <p:txBody>
+          <a:bodyPr rtlCol="0" anchor="ctr"/>
+          <a:lstStyle/>
+          <a:p>
+            <a:pPr algn="ctr"/>
+            <a:endParaRPr lang="en-US" sz="1400">
+              <a:latin typeface="+mj-lt"/>
+            </a:endParaRPr>
           </a:p>
         </p:txBody>
       </p:sp>
